--- a/k框架设计/框架设计.pptx
+++ b/k框架设计/框架设计.pptx
@@ -5,7 +5,7 @@
     <p:sldMasterId id="2147483648" r:id="rId1"/>
   </p:sldMasterIdLst>
   <p:notesMasterIdLst>
-    <p:notesMasterId r:id="rId13"/>
+    <p:notesMasterId r:id="rId14"/>
   </p:notesMasterIdLst>
   <p:sldIdLst>
     <p:sldId id="256" r:id="rId2"/>
@@ -17,8 +17,9 @@
     <p:sldId id="283" r:id="rId8"/>
     <p:sldId id="284" r:id="rId9"/>
     <p:sldId id="285" r:id="rId10"/>
-    <p:sldId id="279" r:id="rId11"/>
-    <p:sldId id="264" r:id="rId12"/>
+    <p:sldId id="286" r:id="rId11"/>
+    <p:sldId id="279" r:id="rId12"/>
+    <p:sldId id="264" r:id="rId13"/>
   </p:sldIdLst>
   <p:sldSz cx="13004800" cy="8623300"/>
   <p:notesSz cx="6858000" cy="9144000"/>
@@ -3588,6 +3589,659 @@
         </p:nvSpPr>
         <p:spPr>
           <a:xfrm>
+            <a:off x="1061214" y="855266"/>
+            <a:ext cx="15989242" cy="801897"/>
+          </a:xfrm>
+          <a:prstGeom prst="rect">
+            <a:avLst/>
+          </a:prstGeom>
+          <a:noFill/>
+        </p:spPr>
+        <p:txBody>
+          <a:bodyPr wrap="square" lIns="123581" tIns="61791" rIns="123581" bIns="61791" rtlCol="0">
+            <a:spAutoFit/>
+          </a:bodyPr>
+          <a:lstStyle/>
+          <a:p>
+            <a:r>
+              <a:rPr lang="zh-CN" altLang="en-US" sz="4400" dirty="0" smtClean="0">
+                <a:solidFill>
+                  <a:srgbClr val="0070C0"/>
+                </a:solidFill>
+                <a:latin typeface="黑体" panose="02010609060101010101" pitchFamily="49" charset="-122"/>
+                <a:ea typeface="黑体" panose="02010609060101010101" pitchFamily="49" charset="-122"/>
+              </a:rPr>
+              <a:t>总结</a:t>
+            </a:r>
+            <a:endParaRPr lang="en-US" altLang="zh-CN" sz="4400" dirty="0">
+              <a:solidFill>
+                <a:srgbClr val="0070C0"/>
+              </a:solidFill>
+              <a:latin typeface="黑体" panose="02010609060101010101" pitchFamily="49" charset="-122"/>
+              <a:ea typeface="黑体" panose="02010609060101010101" pitchFamily="49" charset="-122"/>
+            </a:endParaRPr>
+          </a:p>
+        </p:txBody>
+      </p:sp>
+      <p:cxnSp>
+        <p:nvCxnSpPr>
+          <p:cNvPr id="7" name="直接连接符 6"/>
+          <p:cNvCxnSpPr/>
+          <p:nvPr/>
+        </p:nvCxnSpPr>
+        <p:spPr>
+          <a:xfrm>
+            <a:off x="584734" y="2048065"/>
+            <a:ext cx="11367663" cy="0"/>
+          </a:xfrm>
+          <a:prstGeom prst="line">
+            <a:avLst/>
+          </a:prstGeom>
+          <a:ln>
+            <a:solidFill>
+              <a:schemeClr val="tx1">
+                <a:lumMod val="50000"/>
+                <a:lumOff val="50000"/>
+              </a:schemeClr>
+            </a:solidFill>
+          </a:ln>
+        </p:spPr>
+        <p:style>
+          <a:lnRef idx="1">
+            <a:schemeClr val="accent1"/>
+          </a:lnRef>
+          <a:fillRef idx="0">
+            <a:schemeClr val="accent1"/>
+          </a:fillRef>
+          <a:effectRef idx="0">
+            <a:schemeClr val="accent1"/>
+          </a:effectRef>
+          <a:fontRef idx="minor">
+            <a:schemeClr val="tx1"/>
+          </a:fontRef>
+        </p:style>
+      </p:cxnSp>
+      <p:sp>
+        <p:nvSpPr>
+          <p:cNvPr id="12" name="文本框 7"/>
+          <p:cNvSpPr txBox="1"/>
+          <p:nvPr/>
+        </p:nvSpPr>
+        <p:spPr>
+          <a:xfrm>
+            <a:off x="4413" y="2393202"/>
+            <a:ext cx="2465493" cy="886284"/>
+          </a:xfrm>
+          <a:prstGeom prst="rect">
+            <a:avLst/>
+          </a:prstGeom>
+          <a:noFill/>
+        </p:spPr>
+        <p:txBody>
+          <a:bodyPr wrap="none" lIns="123581" tIns="61791" rIns="123581" bIns="61791" rtlCol="0">
+            <a:noAutofit/>
+          </a:bodyPr>
+          <a:lstStyle/>
+          <a:p>
+            <a:endParaRPr lang="zh-CN" altLang="en-US" sz="10800" dirty="0">
+              <a:solidFill>
+                <a:schemeClr val="accent1"/>
+              </a:solidFill>
+              <a:latin typeface="微软雅黑" panose="020B0503020204020204" pitchFamily="34" charset="-122"/>
+              <a:ea typeface="微软雅黑" panose="020B0503020204020204" pitchFamily="34" charset="-122"/>
+            </a:endParaRPr>
+          </a:p>
+        </p:txBody>
+      </p:sp>
+      <p:sp>
+        <p:nvSpPr>
+          <p:cNvPr id="8" name="矩形 7"/>
+          <p:cNvSpPr/>
+          <p:nvPr/>
+        </p:nvSpPr>
+        <p:spPr>
+          <a:xfrm>
+            <a:off x="1461840" y="2393202"/>
+            <a:ext cx="10009112" cy="3818108"/>
+          </a:xfrm>
+          <a:prstGeom prst="rect">
+            <a:avLst/>
+          </a:prstGeom>
+        </p:spPr>
+        <p:txBody>
+          <a:bodyPr wrap="square" lIns="123581" tIns="61791" rIns="123581" bIns="61791">
+            <a:spAutoFit/>
+          </a:bodyPr>
+          <a:lstStyle/>
+          <a:p>
+            <a:pPr marL="386080" indent="-386080">
+              <a:lnSpc>
+                <a:spcPct val="125000"/>
+              </a:lnSpc>
+              <a:buFont typeface="Wingdings" panose="05000000000000000000" pitchFamily="2" charset="2"/>
+              <a:buChar char="n"/>
+            </a:pPr>
+            <a:r>
+              <a:rPr lang="zh-CN" altLang="en-US" b="1" dirty="0">
+                <a:solidFill>
+                  <a:schemeClr val="accent1"/>
+                </a:solidFill>
+                <a:latin typeface="微软雅黑" panose="020B0503020204020204" pitchFamily="34" charset="-122"/>
+                <a:ea typeface="微软雅黑" panose="020B0503020204020204" pitchFamily="34" charset="-122"/>
+              </a:rPr>
+              <a:t>导</a:t>
+            </a:r>
+            <a:r>
+              <a:rPr lang="zh-CN" altLang="en-US" b="1" dirty="0" smtClean="0">
+                <a:solidFill>
+                  <a:schemeClr val="accent1"/>
+                </a:solidFill>
+                <a:latin typeface="微软雅黑" panose="020B0503020204020204" pitchFamily="34" charset="-122"/>
+                <a:ea typeface="微软雅黑" panose="020B0503020204020204" pitchFamily="34" charset="-122"/>
+              </a:rPr>
+              <a:t>入导出</a:t>
+            </a:r>
+            <a:endParaRPr lang="en-US" altLang="zh-CN" b="1" dirty="0" smtClean="0">
+              <a:solidFill>
+                <a:schemeClr val="accent1"/>
+              </a:solidFill>
+              <a:latin typeface="微软雅黑" panose="020B0503020204020204" pitchFamily="34" charset="-122"/>
+              <a:ea typeface="微软雅黑" panose="020B0503020204020204" pitchFamily="34" charset="-122"/>
+            </a:endParaRPr>
+          </a:p>
+          <a:p>
+            <a:pPr>
+              <a:lnSpc>
+                <a:spcPct val="125000"/>
+              </a:lnSpc>
+            </a:pPr>
+            <a:r>
+              <a:rPr lang="zh-CN" altLang="en-US" sz="1800" dirty="0" smtClean="0">
+                <a:solidFill>
+                  <a:srgbClr val="0070C0"/>
+                </a:solidFill>
+                <a:latin typeface="黑体" panose="02010609060101010101" pitchFamily="49" charset="-122"/>
+                <a:ea typeface="黑体" panose="02010609060101010101" pitchFamily="49" charset="-122"/>
+              </a:rPr>
+              <a:t>重新设计讨论一种高类聚低耦合、支持横向扩展、易调试、同步异步一体、易部署、方便使用的导入导出方案</a:t>
+            </a:r>
+            <a:endParaRPr lang="en-US" altLang="zh-CN" sz="1800" b="1" dirty="0" smtClean="0">
+              <a:solidFill>
+                <a:srgbClr val="0070C0"/>
+              </a:solidFill>
+              <a:latin typeface="黑体" panose="02010609060101010101" pitchFamily="49" charset="-122"/>
+              <a:ea typeface="黑体" panose="02010609060101010101" pitchFamily="49" charset="-122"/>
+            </a:endParaRPr>
+          </a:p>
+          <a:p>
+            <a:pPr marL="386080" indent="-386080">
+              <a:lnSpc>
+                <a:spcPct val="125000"/>
+              </a:lnSpc>
+              <a:buFont typeface="Wingdings" panose="05000000000000000000" pitchFamily="2" charset="2"/>
+              <a:buChar char="n"/>
+            </a:pPr>
+            <a:r>
+              <a:rPr lang="zh-CN" altLang="en-US" b="1" dirty="0">
+                <a:solidFill>
+                  <a:schemeClr val="accent1"/>
+                </a:solidFill>
+                <a:latin typeface="微软雅黑" panose="020B0503020204020204" pitchFamily="34" charset="-122"/>
+                <a:ea typeface="微软雅黑" panose="020B0503020204020204" pitchFamily="34" charset="-122"/>
+              </a:rPr>
+              <a:t>框架</a:t>
+            </a:r>
+            <a:r>
+              <a:rPr lang="zh-CN" altLang="en-US" b="1" dirty="0" smtClean="0">
+                <a:solidFill>
+                  <a:schemeClr val="accent1"/>
+                </a:solidFill>
+                <a:latin typeface="微软雅黑" panose="020B0503020204020204" pitchFamily="34" charset="-122"/>
+                <a:ea typeface="微软雅黑" panose="020B0503020204020204" pitchFamily="34" charset="-122"/>
+              </a:rPr>
+              <a:t>稳定性</a:t>
+            </a:r>
+            <a:endParaRPr lang="en-US" altLang="zh-CN" b="1" dirty="0" smtClean="0">
+              <a:solidFill>
+                <a:schemeClr val="accent1"/>
+              </a:solidFill>
+              <a:latin typeface="微软雅黑" panose="020B0503020204020204" pitchFamily="34" charset="-122"/>
+              <a:ea typeface="微软雅黑" panose="020B0503020204020204" pitchFamily="34" charset="-122"/>
+            </a:endParaRPr>
+          </a:p>
+          <a:p>
+            <a:pPr>
+              <a:lnSpc>
+                <a:spcPct val="125000"/>
+              </a:lnSpc>
+            </a:pPr>
+            <a:r>
+              <a:rPr lang="zh-CN" altLang="en-US" sz="1800" dirty="0" smtClean="0">
+                <a:solidFill>
+                  <a:srgbClr val="0070C0"/>
+                </a:solidFill>
+                <a:latin typeface="黑体" panose="02010609060101010101" pitchFamily="49" charset="-122"/>
+                <a:ea typeface="黑体" panose="02010609060101010101" pitchFamily="49" charset="-122"/>
+              </a:rPr>
+              <a:t>加强代码解构，扩展性。完善单元测试工作。导入导出等实现无状态化。还有各种细节</a:t>
+            </a:r>
+            <a:endParaRPr lang="en-US" altLang="zh-CN" sz="1800" b="1" dirty="0" smtClean="0">
+              <a:solidFill>
+                <a:srgbClr val="0070C0"/>
+              </a:solidFill>
+              <a:latin typeface="黑体" panose="02010609060101010101" pitchFamily="49" charset="-122"/>
+              <a:ea typeface="黑体" panose="02010609060101010101" pitchFamily="49" charset="-122"/>
+            </a:endParaRPr>
+          </a:p>
+          <a:p>
+            <a:pPr marL="386080" indent="-386080">
+              <a:lnSpc>
+                <a:spcPct val="125000"/>
+              </a:lnSpc>
+              <a:buFont typeface="Wingdings" panose="05000000000000000000" pitchFamily="2" charset="2"/>
+              <a:buChar char="n"/>
+            </a:pPr>
+            <a:r>
+              <a:rPr lang="zh-CN" altLang="en-US" b="1" dirty="0" smtClean="0">
+                <a:solidFill>
+                  <a:schemeClr val="accent1"/>
+                </a:solidFill>
+                <a:latin typeface="微软雅黑" panose="020B0503020204020204" pitchFamily="34" charset="-122"/>
+                <a:ea typeface="微软雅黑" panose="020B0503020204020204" pitchFamily="34" charset="-122"/>
+              </a:rPr>
+              <a:t>业务稳定性</a:t>
+            </a:r>
+            <a:endParaRPr lang="en-US" altLang="zh-CN" b="1" dirty="0" smtClean="0">
+              <a:solidFill>
+                <a:schemeClr val="accent1"/>
+              </a:solidFill>
+              <a:latin typeface="微软雅黑" panose="020B0503020204020204" pitchFamily="34" charset="-122"/>
+              <a:ea typeface="微软雅黑" panose="020B0503020204020204" pitchFamily="34" charset="-122"/>
+            </a:endParaRPr>
+          </a:p>
+          <a:p>
+            <a:pPr>
+              <a:lnSpc>
+                <a:spcPct val="125000"/>
+              </a:lnSpc>
+            </a:pPr>
+            <a:r>
+              <a:rPr lang="zh-CN" altLang="en-US" sz="1800" dirty="0" smtClean="0">
+                <a:solidFill>
+                  <a:srgbClr val="0070C0"/>
+                </a:solidFill>
+                <a:latin typeface="黑体" panose="02010609060101010101" pitchFamily="49" charset="-122"/>
+                <a:ea typeface="黑体" panose="02010609060101010101" pitchFamily="49" charset="-122"/>
+              </a:rPr>
+              <a:t>待讨论</a:t>
+            </a:r>
+            <a:endParaRPr lang="en-US" altLang="zh-CN" sz="1800" dirty="0">
+              <a:solidFill>
+                <a:srgbClr val="0070C0"/>
+              </a:solidFill>
+              <a:latin typeface="黑体" panose="02010609060101010101" pitchFamily="49" charset="-122"/>
+              <a:ea typeface="黑体" panose="02010609060101010101" pitchFamily="49" charset="-122"/>
+            </a:endParaRPr>
+          </a:p>
+          <a:p>
+            <a:pPr marL="386080" indent="-386080">
+              <a:lnSpc>
+                <a:spcPct val="125000"/>
+              </a:lnSpc>
+              <a:buFont typeface="Wingdings" panose="05000000000000000000" pitchFamily="2" charset="2"/>
+              <a:buChar char="n"/>
+            </a:pPr>
+            <a:r>
+              <a:rPr lang="en-US" altLang="zh-CN" b="1" dirty="0" smtClean="0">
+                <a:solidFill>
+                  <a:schemeClr val="accent1"/>
+                </a:solidFill>
+                <a:latin typeface="微软雅黑" panose="020B0503020204020204" pitchFamily="34" charset="-122"/>
+                <a:ea typeface="微软雅黑" panose="020B0503020204020204" pitchFamily="34" charset="-122"/>
+              </a:rPr>
+              <a:t>MOM</a:t>
+            </a:r>
+          </a:p>
+          <a:p>
+            <a:pPr>
+              <a:lnSpc>
+                <a:spcPct val="125000"/>
+              </a:lnSpc>
+            </a:pPr>
+            <a:r>
+              <a:rPr lang="en-US" altLang="zh-CN" sz="1800" dirty="0" smtClean="0">
+                <a:solidFill>
+                  <a:srgbClr val="0070C0"/>
+                </a:solidFill>
+                <a:latin typeface="黑体" panose="02010609060101010101" pitchFamily="49" charset="-122"/>
+                <a:ea typeface="黑体" panose="02010609060101010101" pitchFamily="49" charset="-122"/>
+              </a:rPr>
+              <a:t>Review</a:t>
+            </a:r>
+            <a:r>
+              <a:rPr lang="zh-CN" altLang="en-US" sz="1800" dirty="0" smtClean="0">
+                <a:solidFill>
+                  <a:srgbClr val="0070C0"/>
+                </a:solidFill>
+                <a:latin typeface="黑体" panose="02010609060101010101" pitchFamily="49" charset="-122"/>
+                <a:ea typeface="黑体" panose="02010609060101010101" pitchFamily="49" charset="-122"/>
+              </a:rPr>
+              <a:t>业务代码，改善框架封装及代码生成风格</a:t>
+            </a:r>
+            <a:endParaRPr lang="en-US" altLang="zh-CN" sz="1800" dirty="0">
+              <a:solidFill>
+                <a:srgbClr val="0070C0"/>
+              </a:solidFill>
+              <a:latin typeface="黑体" panose="02010609060101010101" pitchFamily="49" charset="-122"/>
+              <a:ea typeface="黑体" panose="02010609060101010101" pitchFamily="49" charset="-122"/>
+            </a:endParaRPr>
+          </a:p>
+        </p:txBody>
+      </p:sp>
+    </p:spTree>
+    <p:extLst>
+      <p:ext uri="{BB962C8B-B14F-4D97-AF65-F5344CB8AC3E}">
+        <p14:creationId xmlns:p14="http://schemas.microsoft.com/office/powerpoint/2010/main" val="1037474087"/>
+      </p:ext>
+    </p:extLst>
+  </p:cSld>
+  <p:clrMapOvr>
+    <a:masterClrMapping/>
+  </p:clrMapOvr>
+  <p:timing>
+    <p:tnLst>
+      <p:par>
+        <p:cTn id="1" dur="indefinite" restart="never" nodeType="tmRoot">
+          <p:childTnLst>
+            <p:seq concurrent="1" nextAc="seek">
+              <p:cTn id="2" dur="indefinite" nodeType="mainSeq">
+                <p:childTnLst>
+                  <p:par>
+                    <p:cTn id="3" fill="hold">
+                      <p:stCondLst>
+                        <p:cond delay="indefinite"/>
+                        <p:cond evt="onBegin" delay="0">
+                          <p:tn val="2"/>
+                        </p:cond>
+                      </p:stCondLst>
+                      <p:childTnLst>
+                        <p:par>
+                          <p:cTn id="4" fill="hold">
+                            <p:stCondLst>
+                              <p:cond delay="0"/>
+                            </p:stCondLst>
+                            <p:childTnLst>
+                              <p:par>
+                                <p:cTn id="5" presetID="10" presetClass="entr" presetSubtype="0" fill="hold" grpId="0" nodeType="afterEffect">
+                                  <p:stCondLst>
+                                    <p:cond delay="0"/>
+                                  </p:stCondLst>
+                                  <p:iterate type="lt">
+                                    <p:tmPct val="10000"/>
+                                  </p:iterate>
+                                  <p:childTnLst>
+                                    <p:set>
+                                      <p:cBhvr>
+                                        <p:cTn id="6" dur="1" fill="hold">
+                                          <p:stCondLst>
+                                            <p:cond delay="0"/>
+                                          </p:stCondLst>
+                                        </p:cTn>
+                                        <p:tgtEl>
+                                          <p:spTgt spid="6"/>
+                                        </p:tgtEl>
+                                        <p:attrNameLst>
+                                          <p:attrName>style.visibility</p:attrName>
+                                        </p:attrNameLst>
+                                      </p:cBhvr>
+                                      <p:to>
+                                        <p:strVal val="visible"/>
+                                      </p:to>
+                                    </p:set>
+                                    <p:animEffect transition="in" filter="fade">
+                                      <p:cBhvr>
+                                        <p:cTn id="7" dur="500"/>
+                                        <p:tgtEl>
+                                          <p:spTgt spid="6"/>
+                                        </p:tgtEl>
+                                      </p:cBhvr>
+                                    </p:animEffect>
+                                  </p:childTnLst>
+                                </p:cTn>
+                              </p:par>
+                            </p:childTnLst>
+                          </p:cTn>
+                        </p:par>
+                        <p:par>
+                          <p:cTn id="8" fill="hold">
+                            <p:stCondLst>
+                              <p:cond delay="550"/>
+                            </p:stCondLst>
+                            <p:childTnLst>
+                              <p:par>
+                                <p:cTn id="9" presetID="22" presetClass="entr" presetSubtype="8" fill="hold" nodeType="afterEffect">
+                                  <p:stCondLst>
+                                    <p:cond delay="0"/>
+                                  </p:stCondLst>
+                                  <p:childTnLst>
+                                    <p:set>
+                                      <p:cBhvr>
+                                        <p:cTn id="10" dur="1" fill="hold">
+                                          <p:stCondLst>
+                                            <p:cond delay="0"/>
+                                          </p:stCondLst>
+                                        </p:cTn>
+                                        <p:tgtEl>
+                                          <p:spTgt spid="7"/>
+                                        </p:tgtEl>
+                                        <p:attrNameLst>
+                                          <p:attrName>style.visibility</p:attrName>
+                                        </p:attrNameLst>
+                                      </p:cBhvr>
+                                      <p:to>
+                                        <p:strVal val="visible"/>
+                                      </p:to>
+                                    </p:set>
+                                    <p:animEffect transition="in" filter="wipe(left)">
+                                      <p:cBhvr>
+                                        <p:cTn id="11" dur="1000"/>
+                                        <p:tgtEl>
+                                          <p:spTgt spid="7"/>
+                                        </p:tgtEl>
+                                      </p:cBhvr>
+                                    </p:animEffect>
+                                  </p:childTnLst>
+                                </p:cTn>
+                              </p:par>
+                            </p:childTnLst>
+                          </p:cTn>
+                        </p:par>
+                        <p:par>
+                          <p:cTn id="12" fill="hold">
+                            <p:stCondLst>
+                              <p:cond delay="1550"/>
+                            </p:stCondLst>
+                            <p:childTnLst>
+                              <p:par>
+                                <p:cTn id="13" presetID="10" presetClass="entr" presetSubtype="0" fill="hold" grpId="0" nodeType="afterEffect" nodePh="1">
+                                  <p:stCondLst>
+                                    <p:cond delay="0"/>
+                                  </p:stCondLst>
+                                  <p:endCondLst>
+                                    <p:cond evt="begin" delay="0">
+                                      <p:tn val="13"/>
+                                    </p:cond>
+                                  </p:endCondLst>
+                                  <p:childTnLst>
+                                    <p:set>
+                                      <p:cBhvr>
+                                        <p:cTn id="14" dur="1" fill="hold">
+                                          <p:stCondLst>
+                                            <p:cond delay="0"/>
+                                          </p:stCondLst>
+                                        </p:cTn>
+                                        <p:tgtEl>
+                                          <p:spTgt spid="12"/>
+                                        </p:tgtEl>
+                                        <p:attrNameLst>
+                                          <p:attrName>style.visibility</p:attrName>
+                                        </p:attrNameLst>
+                                      </p:cBhvr>
+                                      <p:to>
+                                        <p:strVal val="visible"/>
+                                      </p:to>
+                                    </p:set>
+                                    <p:animEffect transition="in" filter="fade">
+                                      <p:cBhvr>
+                                        <p:cTn id="15" dur="750"/>
+                                        <p:tgtEl>
+                                          <p:spTgt spid="12"/>
+                                        </p:tgtEl>
+                                      </p:cBhvr>
+                                    </p:animEffect>
+                                  </p:childTnLst>
+                                </p:cTn>
+                              </p:par>
+                              <p:par>
+                                <p:cTn id="16" presetID="10" presetClass="entr" presetSubtype="0" fill="hold" grpId="0" nodeType="withEffect">
+                                  <p:stCondLst>
+                                    <p:cond delay="0"/>
+                                  </p:stCondLst>
+                                  <p:iterate type="lt">
+                                    <p:tmPct val="10000"/>
+                                  </p:iterate>
+                                  <p:childTnLst>
+                                    <p:set>
+                                      <p:cBhvr>
+                                        <p:cTn id="17" dur="1" fill="hold">
+                                          <p:stCondLst>
+                                            <p:cond delay="0"/>
+                                          </p:stCondLst>
+                                        </p:cTn>
+                                        <p:tgtEl>
+                                          <p:spTgt spid="8"/>
+                                        </p:tgtEl>
+                                        <p:attrNameLst>
+                                          <p:attrName>style.visibility</p:attrName>
+                                        </p:attrNameLst>
+                                      </p:cBhvr>
+                                      <p:to>
+                                        <p:strVal val="visible"/>
+                                      </p:to>
+                                    </p:set>
+                                    <p:animEffect transition="in" filter="fade">
+                                      <p:cBhvr>
+                                        <p:cTn id="18" dur="500"/>
+                                        <p:tgtEl>
+                                          <p:spTgt spid="8"/>
+                                        </p:tgtEl>
+                                      </p:cBhvr>
+                                    </p:animEffect>
+                                  </p:childTnLst>
+                                </p:cTn>
+                              </p:par>
+                            </p:childTnLst>
+                          </p:cTn>
+                        </p:par>
+                      </p:childTnLst>
+                    </p:cTn>
+                  </p:par>
+                </p:childTnLst>
+              </p:cTn>
+              <p:prevCondLst>
+                <p:cond evt="onPrev" delay="0">
+                  <p:tgtEl>
+                    <p:sldTgt/>
+                  </p:tgtEl>
+                </p:cond>
+              </p:prevCondLst>
+              <p:nextCondLst>
+                <p:cond evt="onNext" delay="0">
+                  <p:tgtEl>
+                    <p:sldTgt/>
+                  </p:tgtEl>
+                </p:cond>
+              </p:nextCondLst>
+            </p:seq>
+          </p:childTnLst>
+        </p:cTn>
+      </p:par>
+    </p:tnLst>
+    <p:bldLst>
+      <p:bldP spid="6" grpId="0"/>
+      <p:bldP spid="12" grpId="0"/>
+      <p:bldP spid="8" grpId="0"/>
+    </p:bldLst>
+  </p:timing>
+</p:sld>
+</file>
+
+<file path=ppt/slides/slide11.xml><?xml version="1.0" encoding="utf-8"?>
+<p:sld xmlns:a="http://schemas.openxmlformats.org/drawingml/2006/main" xmlns:r="http://schemas.openxmlformats.org/officeDocument/2006/relationships" xmlns:p="http://schemas.openxmlformats.org/presentationml/2006/main">
+  <p:cSld>
+    <p:spTree>
+      <p:nvGrpSpPr>
+        <p:cNvPr id="1" name=""/>
+        <p:cNvGrpSpPr/>
+        <p:nvPr/>
+      </p:nvGrpSpPr>
+      <p:grpSpPr>
+        <a:xfrm>
+          <a:off x="0" y="0"/>
+          <a:ext cx="0" cy="0"/>
+          <a:chOff x="0" y="0"/>
+          <a:chExt cx="0" cy="0"/>
+        </a:xfrm>
+      </p:grpSpPr>
+      <p:pic>
+        <p:nvPicPr>
+          <p:cNvPr id="1027" name="Picture 3" descr="E:\工作\0530\银色系列\1.jpg"/>
+          <p:cNvPicPr>
+            <a:picLocks noChangeAspect="1" noChangeArrowheads="1"/>
+          </p:cNvPicPr>
+          <p:nvPr/>
+        </p:nvPicPr>
+        <p:blipFill>
+          <a:blip r:embed="rId2">
+            <a:extLst>
+              <a:ext uri="{28A0092B-C50C-407E-A947-70E740481C1C}">
+                <a14:useLocalDpi xmlns:a14="http://schemas.microsoft.com/office/drawing/2010/main" val="0"/>
+              </a:ext>
+            </a:extLst>
+          </a:blip>
+          <a:srcRect/>
+          <a:stretch>
+            <a:fillRect/>
+          </a:stretch>
+        </p:blipFill>
+        <p:spPr bwMode="auto">
+          <a:xfrm>
+            <a:off x="-26170" y="0"/>
+            <a:ext cx="13030969" cy="8640652"/>
+          </a:xfrm>
+          <a:prstGeom prst="rect">
+            <a:avLst/>
+          </a:prstGeom>
+          <a:noFill/>
+          <a:extLst>
+            <a:ext uri="{909E8E84-426E-40DD-AFC4-6F175D3DCCD1}">
+              <a14:hiddenFill xmlns:a14="http://schemas.microsoft.com/office/drawing/2010/main">
+                <a:solidFill>
+                  <a:srgbClr val="FFFFFF"/>
+                </a:solidFill>
+              </a14:hiddenFill>
+            </a:ext>
+          </a:extLst>
+        </p:spPr>
+      </p:pic>
+      <p:sp>
+        <p:nvSpPr>
+          <p:cNvPr id="6" name="文本框 13"/>
+          <p:cNvSpPr txBox="1"/>
+          <p:nvPr/>
+        </p:nvSpPr>
+        <p:spPr>
+          <a:xfrm>
             <a:off x="5134248" y="3308902"/>
             <a:ext cx="3096344" cy="1602116"/>
           </a:xfrm>
@@ -3775,7 +4429,7 @@
 </p:sld>
 </file>
 
-<file path=ppt/slides/slide11.xml><?xml version="1.0" encoding="utf-8"?>
+<file path=ppt/slides/slide12.xml><?xml version="1.0" encoding="utf-8"?>
 <p:sld xmlns:a="http://schemas.openxmlformats.org/drawingml/2006/main" xmlns:r="http://schemas.openxmlformats.org/officeDocument/2006/relationships" xmlns:p="http://schemas.openxmlformats.org/presentationml/2006/main">
   <p:cSld>
     <p:spTree>
@@ -4168,13 +4822,6 @@
               </a:rPr>
               <a:t>MOM</a:t>
             </a:r>
-            <a:endParaRPr lang="en-US" altLang="zh-CN" sz="4000" dirty="0" smtClean="0">
-              <a:solidFill>
-                <a:srgbClr val="0070C0"/>
-              </a:solidFill>
-              <a:latin typeface="黑体" panose="02010609060101010101" pitchFamily="49" charset="-122"/>
-              <a:ea typeface="黑体" panose="02010609060101010101" pitchFamily="49" charset="-122"/>
-            </a:endParaRPr>
           </a:p>
         </p:txBody>
       </p:sp>
@@ -8552,7 +9199,7 @@
   <a:extraClrSchemeLst/>
   <a:extLst>
     <a:ext uri="{05A4C25C-085E-4340-85A3-A5531E510DB2}">
-      <thm15:themeFamily xmlns="" xmlns:thm15="http://schemas.microsoft.com/office/thememl/2012/main" name="Office Theme" id="{62F939B6-93AF-4DB8-9C6B-D6C7DFDC589F}" vid="{4A3C46E8-61CC-4603-A589-7422A47A8E4A}"/>
+      <thm15:themeFamily xmlns:thm15="http://schemas.microsoft.com/office/thememl/2012/main" xmlns="" name="Office Theme" id="{62F939B6-93AF-4DB8-9C6B-D6C7DFDC589F}" vid="{4A3C46E8-61CC-4603-A589-7422A47A8E4A}"/>
     </a:ext>
   </a:extLst>
 </a:theme>

--- a/k框架设计/框架设计.pptx
+++ b/k框架设计/框架设计.pptx
@@ -3702,7 +3702,7 @@
         <p:spPr>
           <a:xfrm>
             <a:off x="1461840" y="2393202"/>
-            <a:ext cx="10009112" cy="3818108"/>
+            <a:ext cx="10009112" cy="5203102"/>
           </a:xfrm>
           <a:prstGeom prst="rect">
             <a:avLst/>
@@ -3823,7 +3823,67 @@
                 <a:latin typeface="黑体" panose="02010609060101010101" pitchFamily="49" charset="-122"/>
                 <a:ea typeface="黑体" panose="02010609060101010101" pitchFamily="49" charset="-122"/>
               </a:rPr>
-              <a:t>加强代码解构，扩展性。完善单元测试工作。导入导出等实现无状态化。还有各种细节</a:t>
+              <a:t>加强代码</a:t>
+            </a:r>
+            <a:r>
+              <a:rPr lang="zh-CN" altLang="en-US" sz="1800" dirty="0" smtClean="0">
+                <a:solidFill>
+                  <a:srgbClr val="0070C0"/>
+                </a:solidFill>
+                <a:latin typeface="黑体" panose="02010609060101010101" pitchFamily="49" charset="-122"/>
+                <a:ea typeface="黑体" panose="02010609060101010101" pitchFamily="49" charset="-122"/>
+              </a:rPr>
+              <a:t>解</a:t>
+            </a:r>
+            <a:r>
+              <a:rPr lang="zh-CN" altLang="en-US" sz="1800" dirty="0">
+                <a:solidFill>
+                  <a:srgbClr val="0070C0"/>
+                </a:solidFill>
+                <a:latin typeface="黑体" panose="02010609060101010101" pitchFamily="49" charset="-122"/>
+                <a:ea typeface="黑体" panose="02010609060101010101" pitchFamily="49" charset="-122"/>
+              </a:rPr>
+              <a:t>耦</a:t>
+            </a:r>
+            <a:r>
+              <a:rPr lang="zh-CN" altLang="en-US" sz="1800" dirty="0" smtClean="0">
+                <a:solidFill>
+                  <a:srgbClr val="0070C0"/>
+                </a:solidFill>
+                <a:latin typeface="黑体" panose="02010609060101010101" pitchFamily="49" charset="-122"/>
+                <a:ea typeface="黑体" panose="02010609060101010101" pitchFamily="49" charset="-122"/>
+              </a:rPr>
+              <a:t>，</a:t>
+            </a:r>
+            <a:r>
+              <a:rPr lang="zh-CN" altLang="en-US" sz="1800" dirty="0" smtClean="0">
+                <a:solidFill>
+                  <a:srgbClr val="0070C0"/>
+                </a:solidFill>
+                <a:latin typeface="黑体" panose="02010609060101010101" pitchFamily="49" charset="-122"/>
+                <a:ea typeface="黑体" panose="02010609060101010101" pitchFamily="49" charset="-122"/>
+              </a:rPr>
+              <a:t>扩展性。完善单元测试工作。导入导出等实现无状态化</a:t>
+            </a:r>
+            <a:r>
+              <a:rPr lang="zh-CN" altLang="en-US" sz="1800" dirty="0" smtClean="0">
+                <a:solidFill>
+                  <a:srgbClr val="0070C0"/>
+                </a:solidFill>
+                <a:latin typeface="黑体" panose="02010609060101010101" pitchFamily="49" charset="-122"/>
+                <a:ea typeface="黑体" panose="02010609060101010101" pitchFamily="49" charset="-122"/>
+              </a:rPr>
+              <a:t>。还有</a:t>
+            </a:r>
+            <a:r>
+              <a:rPr lang="zh-CN" altLang="en-US" sz="1800" dirty="0" smtClean="0">
+                <a:solidFill>
+                  <a:srgbClr val="0070C0"/>
+                </a:solidFill>
+                <a:latin typeface="黑体" panose="02010609060101010101" pitchFamily="49" charset="-122"/>
+                <a:ea typeface="黑体" panose="02010609060101010101" pitchFamily="49" charset="-122"/>
+              </a:rPr>
+              <a:t>各种细节</a:t>
             </a:r>
             <a:endParaRPr lang="en-US" altLang="zh-CN" sz="1800" b="1" dirty="0" smtClean="0">
               <a:solidFill>
@@ -3926,7 +3986,111 @@
                 <a:latin typeface="黑体" panose="02010609060101010101" pitchFamily="49" charset="-122"/>
                 <a:ea typeface="黑体" panose="02010609060101010101" pitchFamily="49" charset="-122"/>
               </a:rPr>
-              <a:t>业务代码，改善框架封装及代码生成风格</a:t>
+              <a:t>业务代码，改善框架封装及代码生成</a:t>
+            </a:r>
+            <a:r>
+              <a:rPr lang="zh-CN" altLang="en-US" sz="1800" dirty="0" smtClean="0">
+                <a:solidFill>
+                  <a:srgbClr val="0070C0"/>
+                </a:solidFill>
+                <a:latin typeface="黑体" panose="02010609060101010101" pitchFamily="49" charset="-122"/>
+                <a:ea typeface="黑体" panose="02010609060101010101" pitchFamily="49" charset="-122"/>
+              </a:rPr>
+              <a:t>风格</a:t>
+            </a:r>
+            <a:endParaRPr lang="en-US" altLang="zh-CN" sz="1800" dirty="0" smtClean="0">
+              <a:solidFill>
+                <a:srgbClr val="0070C0"/>
+              </a:solidFill>
+              <a:latin typeface="黑体" panose="02010609060101010101" pitchFamily="49" charset="-122"/>
+              <a:ea typeface="黑体" panose="02010609060101010101" pitchFamily="49" charset="-122"/>
+            </a:endParaRPr>
+          </a:p>
+          <a:p>
+            <a:pPr>
+              <a:lnSpc>
+                <a:spcPct val="125000"/>
+              </a:lnSpc>
+            </a:pPr>
+            <a:r>
+              <a:rPr lang="zh-CN" altLang="en-US" sz="1800" dirty="0" smtClean="0">
+                <a:solidFill>
+                  <a:srgbClr val="0070C0"/>
+                </a:solidFill>
+                <a:latin typeface="黑体" panose="02010609060101010101" pitchFamily="49" charset="-122"/>
+                <a:ea typeface="黑体" panose="02010609060101010101" pitchFamily="49" charset="-122"/>
+              </a:rPr>
+              <a:t>根据各种修改假设，优化</a:t>
+            </a:r>
+            <a:r>
+              <a:rPr lang="zh-CN" altLang="en-US" sz="1800" smtClean="0">
+                <a:solidFill>
+                  <a:srgbClr val="0070C0"/>
+                </a:solidFill>
+                <a:latin typeface="黑体" panose="02010609060101010101" pitchFamily="49" charset="-122"/>
+                <a:ea typeface="黑体" panose="02010609060101010101" pitchFamily="49" charset="-122"/>
+              </a:rPr>
+              <a:t>代码结构及框架方法（</a:t>
+            </a:r>
+            <a:r>
+              <a:rPr lang="zh-CN" altLang="en-US" sz="1800" dirty="0" smtClean="0">
+                <a:solidFill>
+                  <a:srgbClr val="0070C0"/>
+                </a:solidFill>
+                <a:latin typeface="黑体" panose="02010609060101010101" pitchFamily="49" charset="-122"/>
+                <a:ea typeface="黑体" panose="02010609060101010101" pitchFamily="49" charset="-122"/>
+              </a:rPr>
+              <a:t>删除字段、区域隐藏、字段联动、字段名修改、添加表字段等）</a:t>
+            </a:r>
+            <a:endParaRPr lang="en-US" altLang="zh-CN" sz="1800" dirty="0" smtClean="0">
+              <a:solidFill>
+                <a:srgbClr val="0070C0"/>
+              </a:solidFill>
+              <a:latin typeface="黑体" panose="02010609060101010101" pitchFamily="49" charset="-122"/>
+              <a:ea typeface="黑体" panose="02010609060101010101" pitchFamily="49" charset="-122"/>
+            </a:endParaRPr>
+          </a:p>
+          <a:p>
+            <a:pPr marL="386080" indent="-386080">
+              <a:lnSpc>
+                <a:spcPct val="125000"/>
+              </a:lnSpc>
+              <a:buFont typeface="Wingdings" panose="05000000000000000000" pitchFamily="2" charset="2"/>
+              <a:buChar char="n"/>
+            </a:pPr>
+            <a:r>
+              <a:rPr lang="en-US" altLang="zh-CN" b="1" dirty="0">
+                <a:solidFill>
+                  <a:schemeClr val="accent1"/>
+                </a:solidFill>
+                <a:latin typeface="微软雅黑" panose="020B0503020204020204" pitchFamily="34" charset="-122"/>
+                <a:ea typeface="微软雅黑" panose="020B0503020204020204" pitchFamily="34" charset="-122"/>
+              </a:rPr>
+              <a:t>DRY</a:t>
+            </a:r>
+            <a:endParaRPr lang="en-US" altLang="zh-CN" b="1" dirty="0">
+              <a:solidFill>
+                <a:schemeClr val="accent1"/>
+              </a:solidFill>
+              <a:latin typeface="微软雅黑" panose="020B0503020204020204" pitchFamily="34" charset="-122"/>
+              <a:ea typeface="微软雅黑" panose="020B0503020204020204" pitchFamily="34" charset="-122"/>
+            </a:endParaRPr>
+          </a:p>
+          <a:p>
+            <a:pPr>
+              <a:lnSpc>
+                <a:spcPct val="125000"/>
+              </a:lnSpc>
+            </a:pPr>
+            <a:r>
+              <a:rPr lang="zh-CN" altLang="en-US" sz="1800" dirty="0" smtClean="0">
+                <a:solidFill>
+                  <a:srgbClr val="0070C0"/>
+                </a:solidFill>
+                <a:latin typeface="黑体" panose="02010609060101010101" pitchFamily="49" charset="-122"/>
+                <a:ea typeface="黑体" panose="02010609060101010101" pitchFamily="49" charset="-122"/>
+              </a:rPr>
+              <a:t>很多</a:t>
             </a:r>
             <a:endParaRPr lang="en-US" altLang="zh-CN" sz="1800" dirty="0">
               <a:solidFill>
@@ -9199,7 +9363,7 @@
   <a:extraClrSchemeLst/>
   <a:extLst>
     <a:ext uri="{05A4C25C-085E-4340-85A3-A5531E510DB2}">
-      <thm15:themeFamily xmlns:thm15="http://schemas.microsoft.com/office/thememl/2012/main" xmlns="" name="Office Theme" id="{62F939B6-93AF-4DB8-9C6B-D6C7DFDC589F}" vid="{4A3C46E8-61CC-4603-A589-7422A47A8E4A}"/>
+      <thm15:themeFamily xmlns="" xmlns:thm15="http://schemas.microsoft.com/office/thememl/2012/main" name="Office Theme" id="{62F939B6-93AF-4DB8-9C6B-D6C7DFDC589F}" vid="{4A3C46E8-61CC-4603-A589-7422A47A8E4A}"/>
     </a:ext>
   </a:extLst>
 </a:theme>
